--- a/Innothon.pptx
+++ b/Innothon.pptx
@@ -9,6 +9,8 @@
     <p:sldId id="257" r:id="rId3"/>
     <p:sldId id="258" r:id="rId4"/>
     <p:sldId id="259" r:id="rId5"/>
+    <p:sldId id="261" r:id="rId6"/>
+    <p:sldId id="262" r:id="rId7"/>
   </p:sldIdLst>
   <p:sldSz cx="12192000" cy="6858000"/>
   <p:notesSz cx="6858000" cy="9144000"/>
@@ -7444,10 +7446,368 @@
           </a:p>
         </p:txBody>
       </p:sp>
+      <p:pic>
+        <p:nvPicPr>
+          <p:cNvPr id="7" name="Picture 6">
+            <a:extLst>
+              <a:ext uri="{FF2B5EF4-FFF2-40B4-BE49-F238E27FC236}">
+                <a16:creationId xmlns:a16="http://schemas.microsoft.com/office/drawing/2014/main" id="{8CCF33E9-45AE-81C2-61B5-38AF1AC027CF}"/>
+              </a:ext>
+            </a:extLst>
+          </p:cNvPr>
+          <p:cNvPicPr>
+            <a:picLocks noChangeAspect="1"/>
+          </p:cNvPicPr>
+          <p:nvPr/>
+        </p:nvPicPr>
+        <p:blipFill>
+          <a:blip r:embed="rId2">
+            <a:extLst>
+              <a:ext uri="{28A0092B-C50C-407E-A947-70E740481C1C}">
+                <a14:useLocalDpi xmlns:a14="http://schemas.microsoft.com/office/drawing/2010/main" val="0"/>
+              </a:ext>
+            </a:extLst>
+          </a:blip>
+          <a:stretch>
+            <a:fillRect/>
+          </a:stretch>
+        </p:blipFill>
+        <p:spPr>
+          <a:xfrm>
+            <a:off x="4405917" y="1772239"/>
+            <a:ext cx="2209015" cy="1656761"/>
+          </a:xfrm>
+          <a:prstGeom prst="rect">
+            <a:avLst/>
+          </a:prstGeom>
+        </p:spPr>
+      </p:pic>
+      <p:pic>
+        <p:nvPicPr>
+          <p:cNvPr id="9" name="Picture 8">
+            <a:extLst>
+              <a:ext uri="{FF2B5EF4-FFF2-40B4-BE49-F238E27FC236}">
+                <a16:creationId xmlns:a16="http://schemas.microsoft.com/office/drawing/2014/main" id="{604389F5-980A-62AD-D79E-7C7252D83F85}"/>
+              </a:ext>
+            </a:extLst>
+          </p:cNvPr>
+          <p:cNvPicPr>
+            <a:picLocks noChangeAspect="1"/>
+          </p:cNvPicPr>
+          <p:nvPr/>
+        </p:nvPicPr>
+        <p:blipFill>
+          <a:blip r:embed="rId3">
+            <a:extLst>
+              <a:ext uri="{28A0092B-C50C-407E-A947-70E740481C1C}">
+                <a14:useLocalDpi xmlns:a14="http://schemas.microsoft.com/office/drawing/2010/main" val="0"/>
+              </a:ext>
+            </a:extLst>
+          </a:blip>
+          <a:stretch>
+            <a:fillRect/>
+          </a:stretch>
+        </p:blipFill>
+        <p:spPr>
+          <a:xfrm>
+            <a:off x="7392185" y="2172103"/>
+            <a:ext cx="3783291" cy="930690"/>
+          </a:xfrm>
+          <a:prstGeom prst="rect">
+            <a:avLst/>
+          </a:prstGeom>
+        </p:spPr>
+      </p:pic>
     </p:spTree>
     <p:extLst>
       <p:ext uri="{BB962C8B-B14F-4D97-AF65-F5344CB8AC3E}">
         <p14:creationId xmlns:p14="http://schemas.microsoft.com/office/powerpoint/2010/main" val="130827555"/>
+      </p:ext>
+    </p:extLst>
+  </p:cSld>
+  <p:clrMapOvr>
+    <a:masterClrMapping/>
+  </p:clrMapOvr>
+</p:sld>
+</file>
+
+<file path=ppt/slides/slide5.xml><?xml version="1.0" encoding="utf-8"?>
+<p:sld xmlns:a="http://schemas.openxmlformats.org/drawingml/2006/main" xmlns:r="http://schemas.openxmlformats.org/officeDocument/2006/relationships" xmlns:p="http://schemas.openxmlformats.org/presentationml/2006/main">
+  <p:cSld>
+    <p:spTree>
+      <p:nvGrpSpPr>
+        <p:cNvPr id="1" name=""/>
+        <p:cNvGrpSpPr/>
+        <p:nvPr/>
+      </p:nvGrpSpPr>
+      <p:grpSpPr>
+        <a:xfrm>
+          <a:off x="0" y="0"/>
+          <a:ext cx="0" cy="0"/>
+          <a:chOff x="0" y="0"/>
+          <a:chExt cx="0" cy="0"/>
+        </a:xfrm>
+      </p:grpSpPr>
+      <p:pic>
+        <p:nvPicPr>
+          <p:cNvPr id="3" name="Picture 2">
+            <a:extLst>
+              <a:ext uri="{FF2B5EF4-FFF2-40B4-BE49-F238E27FC236}">
+                <a16:creationId xmlns:a16="http://schemas.microsoft.com/office/drawing/2014/main" id="{74803CA4-B32F-549F-CB0F-9E042BC6F133}"/>
+              </a:ext>
+            </a:extLst>
+          </p:cNvPr>
+          <p:cNvPicPr>
+            <a:picLocks noChangeAspect="1"/>
+          </p:cNvPicPr>
+          <p:nvPr/>
+        </p:nvPicPr>
+        <p:blipFill>
+          <a:blip r:embed="rId2">
+            <a:extLst>
+              <a:ext uri="{28A0092B-C50C-407E-A947-70E740481C1C}">
+                <a14:useLocalDpi xmlns:a14="http://schemas.microsoft.com/office/drawing/2010/main" val="0"/>
+              </a:ext>
+            </a:extLst>
+          </a:blip>
+          <a:stretch>
+            <a:fillRect/>
+          </a:stretch>
+        </p:blipFill>
+        <p:spPr>
+          <a:xfrm>
+            <a:off x="2587657" y="624074"/>
+            <a:ext cx="7016685" cy="3200464"/>
+          </a:xfrm>
+          <a:prstGeom prst="rect">
+            <a:avLst/>
+          </a:prstGeom>
+        </p:spPr>
+      </p:pic>
+      <p:sp>
+        <p:nvSpPr>
+          <p:cNvPr id="6" name="TextBox 5">
+            <a:extLst>
+              <a:ext uri="{FF2B5EF4-FFF2-40B4-BE49-F238E27FC236}">
+                <a16:creationId xmlns:a16="http://schemas.microsoft.com/office/drawing/2014/main" id="{ADEC672B-6893-D742-06D8-7C320833379E}"/>
+              </a:ext>
+            </a:extLst>
+          </p:cNvPr>
+          <p:cNvSpPr txBox="1"/>
+          <p:nvPr/>
+        </p:nvSpPr>
+        <p:spPr>
+          <a:xfrm>
+            <a:off x="1476018" y="4311917"/>
+            <a:ext cx="9055231" cy="1477328"/>
+          </a:xfrm>
+          <a:prstGeom prst="rect">
+            <a:avLst/>
+          </a:prstGeom>
+          <a:noFill/>
+        </p:spPr>
+        <p:txBody>
+          <a:bodyPr wrap="square">
+            <a:spAutoFit/>
+          </a:bodyPr>
+          <a:lstStyle/>
+          <a:p>
+            <a:pPr algn="ctr"/>
+            <a:r>
+              <a:rPr lang="en-US" dirty="0">
+                <a:ln w="0"/>
+                <a:effectLst>
+                  <a:outerShdw blurRad="38100" dist="19050" dir="2700000" algn="tl" rotWithShape="0">
+                    <a:schemeClr val="dk1">
+                      <a:alpha val="40000"/>
+                    </a:schemeClr>
+                  </a:outerShdw>
+                </a:effectLst>
+              </a:rPr>
+              <a:t>Weather prediction platform for ATC to help and</a:t>
+            </a:r>
+          </a:p>
+          <a:p>
+            <a:pPr algn="ctr"/>
+            <a:r>
+              <a:rPr lang="en-US" dirty="0">
+                <a:ln w="0"/>
+                <a:effectLst>
+                  <a:outerShdw blurRad="38100" dist="19050" dir="2700000" algn="tl" rotWithShape="0">
+                    <a:schemeClr val="dk1">
+                      <a:alpha val="40000"/>
+                    </a:schemeClr>
+                  </a:outerShdw>
+                </a:effectLst>
+              </a:rPr>
+              <a:t>recognize patterns through weather</a:t>
+            </a:r>
+          </a:p>
+          <a:p>
+            <a:pPr algn="ctr"/>
+            <a:r>
+              <a:rPr lang="en-US" dirty="0" err="1">
+                <a:ln w="0"/>
+                <a:effectLst>
+                  <a:outerShdw blurRad="38100" dist="19050" dir="2700000" algn="tl" rotWithShape="0">
+                    <a:schemeClr val="dk1">
+                      <a:alpha val="40000"/>
+                    </a:schemeClr>
+                  </a:outerShdw>
+                </a:effectLst>
+              </a:rPr>
+              <a:t>f</a:t>
+            </a:r>
+            <a:r>
+              <a:rPr lang="en-US" sz="1800" b="0" cap="none" spc="0" dirty="0" err="1">
+                <a:ln w="0"/>
+                <a:solidFill>
+                  <a:schemeClr val="tx1"/>
+                </a:solidFill>
+                <a:effectLst>
+                  <a:outerShdw blurRad="38100" dist="19050" dir="2700000" algn="tl" rotWithShape="0">
+                    <a:schemeClr val="dk1">
+                      <a:alpha val="40000"/>
+                    </a:schemeClr>
+                  </a:outerShdw>
+                </a:effectLst>
+              </a:rPr>
+              <a:t>orcast</a:t>
+            </a:r>
+            <a:r>
+              <a:rPr lang="en-US" sz="1800" b="0" cap="none" spc="0" dirty="0">
+                <a:ln w="0"/>
+                <a:solidFill>
+                  <a:schemeClr val="tx1"/>
+                </a:solidFill>
+                <a:effectLst>
+                  <a:outerShdw blurRad="38100" dist="19050" dir="2700000" algn="tl" rotWithShape="0">
+                    <a:schemeClr val="dk1">
+                      <a:alpha val="40000"/>
+                    </a:schemeClr>
+                  </a:outerShdw>
+                </a:effectLst>
+              </a:rPr>
+              <a:t> data to a particular</a:t>
+            </a:r>
+          </a:p>
+          <a:p>
+            <a:pPr algn="ctr"/>
+            <a:r>
+              <a:rPr lang="en-US" dirty="0">
+                <a:ln w="0"/>
+                <a:effectLst>
+                  <a:outerShdw blurRad="38100" dist="19050" dir="2700000" algn="tl" rotWithShape="0">
+                    <a:schemeClr val="dk1">
+                      <a:alpha val="40000"/>
+                    </a:schemeClr>
+                  </a:outerShdw>
+                </a:effectLst>
+              </a:rPr>
+              <a:t>flight route with the</a:t>
+            </a:r>
+          </a:p>
+          <a:p>
+            <a:pPr algn="ctr"/>
+            <a:r>
+              <a:rPr lang="en-US" sz="1800" b="0" cap="none" spc="0" dirty="0">
+                <a:ln w="0"/>
+                <a:solidFill>
+                  <a:schemeClr val="tx1"/>
+                </a:solidFill>
+                <a:effectLst>
+                  <a:outerShdw blurRad="38100" dist="19050" dir="2700000" algn="tl" rotWithShape="0">
+                    <a:schemeClr val="dk1">
+                      <a:alpha val="40000"/>
+                    </a:schemeClr>
+                  </a:outerShdw>
+                </a:effectLst>
+              </a:rPr>
+              <a:t>Help of AI Model.</a:t>
+            </a:r>
+          </a:p>
+        </p:txBody>
+      </p:sp>
+    </p:spTree>
+    <p:extLst>
+      <p:ext uri="{BB962C8B-B14F-4D97-AF65-F5344CB8AC3E}">
+        <p14:creationId xmlns:p14="http://schemas.microsoft.com/office/powerpoint/2010/main" val="2309987400"/>
+      </p:ext>
+    </p:extLst>
+  </p:cSld>
+  <p:clrMapOvr>
+    <a:masterClrMapping/>
+  </p:clrMapOvr>
+</p:sld>
+</file>
+
+<file path=ppt/slides/slide6.xml><?xml version="1.0" encoding="utf-8"?>
+<p:sld xmlns:a="http://schemas.openxmlformats.org/drawingml/2006/main" xmlns:r="http://schemas.openxmlformats.org/officeDocument/2006/relationships" xmlns:p="http://schemas.openxmlformats.org/presentationml/2006/main">
+  <p:cSld>
+    <p:spTree>
+      <p:nvGrpSpPr>
+        <p:cNvPr id="1" name=""/>
+        <p:cNvGrpSpPr/>
+        <p:nvPr/>
+      </p:nvGrpSpPr>
+      <p:grpSpPr>
+        <a:xfrm>
+          <a:off x="0" y="0"/>
+          <a:ext cx="0" cy="0"/>
+          <a:chOff x="0" y="0"/>
+          <a:chExt cx="0" cy="0"/>
+        </a:xfrm>
+      </p:grpSpPr>
+      <p:sp>
+        <p:nvSpPr>
+          <p:cNvPr id="2" name="TextBox 1">
+            <a:extLst>
+              <a:ext uri="{FF2B5EF4-FFF2-40B4-BE49-F238E27FC236}">
+                <a16:creationId xmlns:a16="http://schemas.microsoft.com/office/drawing/2014/main" id="{DADF4E67-EF6B-6301-359D-5387A12FF3C7}"/>
+              </a:ext>
+            </a:extLst>
+          </p:cNvPr>
+          <p:cNvSpPr txBox="1"/>
+          <p:nvPr/>
+        </p:nvSpPr>
+        <p:spPr>
+          <a:xfrm>
+            <a:off x="741575" y="3075057"/>
+            <a:ext cx="10708849" cy="707886"/>
+          </a:xfrm>
+          <a:prstGeom prst="rect">
+            <a:avLst/>
+          </a:prstGeom>
+          <a:noFill/>
+        </p:spPr>
+        <p:txBody>
+          <a:bodyPr wrap="square" rtlCol="0">
+            <a:spAutoFit/>
+          </a:bodyPr>
+          <a:lstStyle/>
+          <a:p>
+            <a:r>
+              <a:rPr lang="en-IN" sz="4000" u="sng" dirty="0"/>
+              <a:t>GitHub</a:t>
+            </a:r>
+            <a:r>
+              <a:rPr lang="en-IN" sz="4000" dirty="0"/>
+              <a:t> : </a:t>
+            </a:r>
+            <a:r>
+              <a:rPr lang="en-IN" sz="2400" dirty="0">
+                <a:hlinkClick r:id="rId2"/>
+              </a:rPr>
+              <a:t>meta0tarun/Aviators_AviationWeather_INNOTHON2.0</a:t>
+            </a:r>
+            <a:endParaRPr lang="en-IN" sz="2400" dirty="0"/>
+          </a:p>
+        </p:txBody>
+      </p:sp>
+    </p:spTree>
+    <p:extLst>
+      <p:ext uri="{BB962C8B-B14F-4D97-AF65-F5344CB8AC3E}">
+        <p14:creationId xmlns:p14="http://schemas.microsoft.com/office/powerpoint/2010/main" val="1204052732"/>
       </p:ext>
     </p:extLst>
   </p:cSld>
